--- a/Python_Adafruit/10_Python.pptx
+++ b/Python_Adafruit/10_Python.pptx
@@ -118,6 +118,11 @@
       </a:defRPr>
     </a:lvl9pPr>
   </p:defaultTextStyle>
+  <p:extLst>
+    <p:ext uri="{EFAFB233-063F-42B5-8137-9DF3F51BA10A}">
+      <p15:sldGuideLst xmlns:p15="http://schemas.microsoft.com/office/powerpoint/2012/main"/>
+    </p:ext>
+  </p:extLst>
 </p:presentation>
 </file>
 
@@ -270,7 +275,7 @@
           <a:p>
             <a:fld id="{A47EE674-F42F-4AE4-85E6-D08E693710C4}" type="datetimeFigureOut">
               <a:rPr lang="es-GT" smtClean="0"/>
-              <a:t>24/04/2023</a:t>
+              <a:t>26/04/2023</a:t>
             </a:fld>
             <a:endParaRPr lang="es-GT"/>
           </a:p>
@@ -324,7 +329,7 @@
           <a:p>
             <a:fld id="{3C07A320-23AC-496F-A174-76FBCBA0C4B4}" type="slidenum">
               <a:rPr lang="es-GT" smtClean="0"/>
-              <a:t>‹Nº›</a:t>
+              <a:t>‹#›</a:t>
             </a:fld>
             <a:endParaRPr lang="es-GT"/>
           </a:p>
@@ -470,7 +475,7 @@
           <a:p>
             <a:fld id="{A47EE674-F42F-4AE4-85E6-D08E693710C4}" type="datetimeFigureOut">
               <a:rPr lang="es-GT" smtClean="0"/>
-              <a:t>24/04/2023</a:t>
+              <a:t>26/04/2023</a:t>
             </a:fld>
             <a:endParaRPr lang="es-GT"/>
           </a:p>
@@ -524,7 +529,7 @@
           <a:p>
             <a:fld id="{3C07A320-23AC-496F-A174-76FBCBA0C4B4}" type="slidenum">
               <a:rPr lang="es-GT" smtClean="0"/>
-              <a:t>‹Nº›</a:t>
+              <a:t>‹#›</a:t>
             </a:fld>
             <a:endParaRPr lang="es-GT"/>
           </a:p>
@@ -680,7 +685,7 @@
           <a:p>
             <a:fld id="{A47EE674-F42F-4AE4-85E6-D08E693710C4}" type="datetimeFigureOut">
               <a:rPr lang="es-GT" smtClean="0"/>
-              <a:t>24/04/2023</a:t>
+              <a:t>26/04/2023</a:t>
             </a:fld>
             <a:endParaRPr lang="es-GT"/>
           </a:p>
@@ -734,7 +739,7 @@
           <a:p>
             <a:fld id="{3C07A320-23AC-496F-A174-76FBCBA0C4B4}" type="slidenum">
               <a:rPr lang="es-GT" smtClean="0"/>
-              <a:t>‹Nº›</a:t>
+              <a:t>‹#›</a:t>
             </a:fld>
             <a:endParaRPr lang="es-GT"/>
           </a:p>
@@ -880,7 +885,7 @@
           <a:p>
             <a:fld id="{A47EE674-F42F-4AE4-85E6-D08E693710C4}" type="datetimeFigureOut">
               <a:rPr lang="es-GT" smtClean="0"/>
-              <a:t>24/04/2023</a:t>
+              <a:t>26/04/2023</a:t>
             </a:fld>
             <a:endParaRPr lang="es-GT"/>
           </a:p>
@@ -934,7 +939,7 @@
           <a:p>
             <a:fld id="{3C07A320-23AC-496F-A174-76FBCBA0C4B4}" type="slidenum">
               <a:rPr lang="es-GT" smtClean="0"/>
-              <a:t>‹Nº›</a:t>
+              <a:t>‹#›</a:t>
             </a:fld>
             <a:endParaRPr lang="es-GT"/>
           </a:p>
@@ -1156,7 +1161,7 @@
           <a:p>
             <a:fld id="{A47EE674-F42F-4AE4-85E6-D08E693710C4}" type="datetimeFigureOut">
               <a:rPr lang="es-GT" smtClean="0"/>
-              <a:t>24/04/2023</a:t>
+              <a:t>26/04/2023</a:t>
             </a:fld>
             <a:endParaRPr lang="es-GT"/>
           </a:p>
@@ -1210,7 +1215,7 @@
           <a:p>
             <a:fld id="{3C07A320-23AC-496F-A174-76FBCBA0C4B4}" type="slidenum">
               <a:rPr lang="es-GT" smtClean="0"/>
-              <a:t>‹Nº›</a:t>
+              <a:t>‹#›</a:t>
             </a:fld>
             <a:endParaRPr lang="es-GT"/>
           </a:p>
@@ -1424,7 +1429,7 @@
           <a:p>
             <a:fld id="{A47EE674-F42F-4AE4-85E6-D08E693710C4}" type="datetimeFigureOut">
               <a:rPr lang="es-GT" smtClean="0"/>
-              <a:t>24/04/2023</a:t>
+              <a:t>26/04/2023</a:t>
             </a:fld>
             <a:endParaRPr lang="es-GT"/>
           </a:p>
@@ -1478,7 +1483,7 @@
           <a:p>
             <a:fld id="{3C07A320-23AC-496F-A174-76FBCBA0C4B4}" type="slidenum">
               <a:rPr lang="es-GT" smtClean="0"/>
-              <a:t>‹Nº›</a:t>
+              <a:t>‹#›</a:t>
             </a:fld>
             <a:endParaRPr lang="es-GT"/>
           </a:p>
@@ -1839,7 +1844,7 @@
           <a:p>
             <a:fld id="{A47EE674-F42F-4AE4-85E6-D08E693710C4}" type="datetimeFigureOut">
               <a:rPr lang="es-GT" smtClean="0"/>
-              <a:t>24/04/2023</a:t>
+              <a:t>26/04/2023</a:t>
             </a:fld>
             <a:endParaRPr lang="es-GT"/>
           </a:p>
@@ -1893,7 +1898,7 @@
           <a:p>
             <a:fld id="{3C07A320-23AC-496F-A174-76FBCBA0C4B4}" type="slidenum">
               <a:rPr lang="es-GT" smtClean="0"/>
-              <a:t>‹Nº›</a:t>
+              <a:t>‹#›</a:t>
             </a:fld>
             <a:endParaRPr lang="es-GT"/>
           </a:p>
@@ -1981,7 +1986,7 @@
           <a:p>
             <a:fld id="{A47EE674-F42F-4AE4-85E6-D08E693710C4}" type="datetimeFigureOut">
               <a:rPr lang="es-GT" smtClean="0"/>
-              <a:t>24/04/2023</a:t>
+              <a:t>26/04/2023</a:t>
             </a:fld>
             <a:endParaRPr lang="es-GT"/>
           </a:p>
@@ -2035,7 +2040,7 @@
           <a:p>
             <a:fld id="{3C07A320-23AC-496F-A174-76FBCBA0C4B4}" type="slidenum">
               <a:rPr lang="es-GT" smtClean="0"/>
-              <a:t>‹Nº›</a:t>
+              <a:t>‹#›</a:t>
             </a:fld>
             <a:endParaRPr lang="es-GT"/>
           </a:p>
@@ -2094,7 +2099,7 @@
           <a:p>
             <a:fld id="{A47EE674-F42F-4AE4-85E6-D08E693710C4}" type="datetimeFigureOut">
               <a:rPr lang="es-GT" smtClean="0"/>
-              <a:t>24/04/2023</a:t>
+              <a:t>26/04/2023</a:t>
             </a:fld>
             <a:endParaRPr lang="es-GT"/>
           </a:p>
@@ -2148,7 +2153,7 @@
           <a:p>
             <a:fld id="{3C07A320-23AC-496F-A174-76FBCBA0C4B4}" type="slidenum">
               <a:rPr lang="es-GT" smtClean="0"/>
-              <a:t>‹Nº›</a:t>
+              <a:t>‹#›</a:t>
             </a:fld>
             <a:endParaRPr lang="es-GT"/>
           </a:p>
@@ -2407,7 +2412,7 @@
           <a:p>
             <a:fld id="{A47EE674-F42F-4AE4-85E6-D08E693710C4}" type="datetimeFigureOut">
               <a:rPr lang="es-GT" smtClean="0"/>
-              <a:t>24/04/2023</a:t>
+              <a:t>26/04/2023</a:t>
             </a:fld>
             <a:endParaRPr lang="es-GT"/>
           </a:p>
@@ -2461,7 +2466,7 @@
           <a:p>
             <a:fld id="{3C07A320-23AC-496F-A174-76FBCBA0C4B4}" type="slidenum">
               <a:rPr lang="es-GT" smtClean="0"/>
-              <a:t>‹Nº›</a:t>
+              <a:t>‹#›</a:t>
             </a:fld>
             <a:endParaRPr lang="es-GT"/>
           </a:p>
@@ -2696,7 +2701,7 @@
           <a:p>
             <a:fld id="{A47EE674-F42F-4AE4-85E6-D08E693710C4}" type="datetimeFigureOut">
               <a:rPr lang="es-GT" smtClean="0"/>
-              <a:t>24/04/2023</a:t>
+              <a:t>26/04/2023</a:t>
             </a:fld>
             <a:endParaRPr lang="es-GT"/>
           </a:p>
@@ -2750,7 +2755,7 @@
           <a:p>
             <a:fld id="{3C07A320-23AC-496F-A174-76FBCBA0C4B4}" type="slidenum">
               <a:rPr lang="es-GT" smtClean="0"/>
-              <a:t>‹Nº›</a:t>
+              <a:t>‹#›</a:t>
             </a:fld>
             <a:endParaRPr lang="es-GT"/>
           </a:p>
@@ -2939,7 +2944,7 @@
           <a:p>
             <a:fld id="{A47EE674-F42F-4AE4-85E6-D08E693710C4}" type="datetimeFigureOut">
               <a:rPr lang="es-GT" smtClean="0"/>
-              <a:t>24/04/2023</a:t>
+              <a:t>26/04/2023</a:t>
             </a:fld>
             <a:endParaRPr lang="es-GT"/>
           </a:p>
@@ -3029,7 +3034,7 @@
           <a:p>
             <a:fld id="{3C07A320-23AC-496F-A174-76FBCBA0C4B4}" type="slidenum">
               <a:rPr lang="es-GT" smtClean="0"/>
-              <a:t>‹Nº›</a:t>
+              <a:t>‹#›</a:t>
             </a:fld>
             <a:endParaRPr lang="es-GT"/>
           </a:p>
@@ -4870,7 +4875,7 @@
         <p:spPr/>
         <p:txBody>
           <a:bodyPr>
-            <a:normAutofit lnSpcReduction="10000"/>
+            <a:normAutofit/>
           </a:bodyPr>
           <a:lstStyle/>
           <a:p>
@@ -4930,8 +4935,35 @@
               <a:rPr lang="es-GT" altLang="es-GT" dirty="0">
                 <a:latin typeface="Consolas" panose="020B0609020204030204" pitchFamily="49" charset="0"/>
               </a:rPr>
-              <a:t>Buscar la carpeta de instalación de Python en nuestra computadora y donde se instalan las librerías.</a:t>
-            </a:r>
+              <a:t>Escribir en el </a:t>
+            </a:r>
+            <a:r>
+              <a:rPr lang="es-GT" altLang="es-GT" dirty="0" err="1">
+                <a:latin typeface="Consolas" panose="020B0609020204030204" pitchFamily="49" charset="0"/>
+              </a:rPr>
+              <a:t>cmd</a:t>
+            </a:r>
+            <a:endParaRPr lang="es-GT" altLang="es-GT" dirty="0">
+              <a:latin typeface="Consolas" panose="020B0609020204030204" pitchFamily="49" charset="0"/>
+            </a:endParaRPr>
+          </a:p>
+          <a:p>
+            <a:pPr lvl="1" algn="just"/>
+            <a:r>
+              <a:rPr lang="es-GT" altLang="es-GT" dirty="0">
+                <a:latin typeface="Consolas" panose="020B0609020204030204" pitchFamily="49" charset="0"/>
+              </a:rPr>
+              <a:t>Pyqt5-tools </a:t>
+            </a:r>
+            <a:r>
+              <a:rPr lang="es-GT" altLang="es-GT" dirty="0" err="1">
+                <a:latin typeface="Consolas" panose="020B0609020204030204" pitchFamily="49" charset="0"/>
+              </a:rPr>
+              <a:t>designer</a:t>
+            </a:r>
+            <a:endParaRPr lang="es-GT" altLang="es-GT" dirty="0">
+              <a:latin typeface="Consolas" panose="020B0609020204030204" pitchFamily="49" charset="0"/>
+            </a:endParaRPr>
           </a:p>
           <a:p>
             <a:pPr marL="457200" indent="-457200" algn="just">
@@ -4942,88 +4974,7 @@
               <a:rPr lang="es-GT" altLang="es-GT" dirty="0">
                 <a:latin typeface="Consolas" panose="020B0609020204030204" pitchFamily="49" charset="0"/>
               </a:rPr>
-              <a:t>Buscar la carpeta </a:t>
-            </a:r>
-            <a:r>
-              <a:rPr lang="es-GT" altLang="es-GT" i="1" dirty="0" err="1">
-                <a:latin typeface="Consolas" panose="020B0609020204030204" pitchFamily="49" charset="0"/>
-              </a:rPr>
-              <a:t>lib</a:t>
-            </a:r>
-            <a:endParaRPr lang="es-GT" altLang="es-GT" i="1" dirty="0">
-              <a:latin typeface="Consolas" panose="020B0609020204030204" pitchFamily="49" charset="0"/>
-            </a:endParaRPr>
-          </a:p>
-          <a:p>
-            <a:pPr marL="457200" indent="-457200" algn="just">
-              <a:buFont typeface="+mj-lt"/>
-              <a:buAutoNum type="arabicPeriod"/>
-            </a:pPr>
-            <a:r>
-              <a:rPr lang="es-GT" altLang="es-GT" dirty="0">
-                <a:latin typeface="Consolas" panose="020B0609020204030204" pitchFamily="49" charset="0"/>
-              </a:rPr>
-              <a:t>Buscar la carpeta </a:t>
-            </a:r>
-            <a:r>
-              <a:rPr lang="es-GT" altLang="es-GT" i="1" dirty="0">
-                <a:latin typeface="Consolas" panose="020B0609020204030204" pitchFamily="49" charset="0"/>
-              </a:rPr>
-              <a:t>site-</a:t>
-            </a:r>
-            <a:r>
-              <a:rPr lang="es-GT" altLang="es-GT" i="1" dirty="0" err="1">
-                <a:latin typeface="Consolas" panose="020B0609020204030204" pitchFamily="49" charset="0"/>
-              </a:rPr>
-              <a:t>packages</a:t>
-            </a:r>
-            <a:endParaRPr lang="es-GT" altLang="es-GT" dirty="0">
-              <a:latin typeface="Consolas" panose="020B0609020204030204" pitchFamily="49" charset="0"/>
-            </a:endParaRPr>
-          </a:p>
-          <a:p>
-            <a:pPr marL="457200" indent="-457200" algn="just">
-              <a:buFont typeface="+mj-lt"/>
-              <a:buAutoNum type="arabicPeriod"/>
-            </a:pPr>
-            <a:r>
-              <a:rPr lang="es-GT" altLang="es-GT" dirty="0">
-                <a:latin typeface="Consolas" panose="020B0609020204030204" pitchFamily="49" charset="0"/>
-              </a:rPr>
-              <a:t>Buscar la carpeta </a:t>
-            </a:r>
-            <a:r>
-              <a:rPr lang="es-GT" altLang="es-GT" i="1" dirty="0">
-                <a:latin typeface="Consolas" panose="020B0609020204030204" pitchFamily="49" charset="0"/>
-              </a:rPr>
-              <a:t>pyqt5_tools o qt5_applications</a:t>
-            </a:r>
-          </a:p>
-          <a:p>
-            <a:pPr lvl="1" algn="just"/>
-            <a:r>
-              <a:rPr lang="es-GT" altLang="es-GT" dirty="0">
-                <a:latin typeface="Consolas" panose="020B0609020204030204" pitchFamily="49" charset="0"/>
-              </a:rPr>
-              <a:t>En estas carpetas deberá buscar el ejecutable “</a:t>
-            </a:r>
-            <a:r>
-              <a:rPr lang="es-GT" altLang="es-GT" i="1" dirty="0" err="1">
-                <a:latin typeface="Consolas" panose="020B0609020204030204" pitchFamily="49" charset="0"/>
-              </a:rPr>
-              <a:t>designer</a:t>
-            </a:r>
-            <a:r>
-              <a:rPr lang="es-GT" altLang="es-GT" i="1" dirty="0">
-                <a:latin typeface="Consolas" panose="020B0609020204030204" pitchFamily="49" charset="0"/>
-              </a:rPr>
-              <a:t>”</a:t>
-            </a:r>
-            <a:r>
-              <a:rPr lang="es-GT" altLang="es-GT" dirty="0">
-                <a:latin typeface="Consolas" panose="020B0609020204030204" pitchFamily="49" charset="0"/>
-              </a:rPr>
-              <a:t> el al cual debemos agregarle un acceso directo para facilidad de uso.</a:t>
+              <a:t>Podemos agregarle un acceso directo para facilidad de uso.</a:t>
             </a:r>
           </a:p>
         </p:txBody>
@@ -6674,7 +6625,7 @@
             </a:pPr>
             <a:r>
               <a:rPr lang="es-GT" dirty="0">
-                <a:hlinkClick r:id=""/>
+                <a:hlinkClick r:id="" action="ppaction://noaction"/>
               </a:rPr>
               <a:t>https://pythonhosted.org/pyserial/</a:t>
             </a:r>
@@ -7466,7 +7417,7 @@
         </p:blipFill>
         <p:spPr>
           <a:xfrm>
-            <a:off x="2410299" y="3772044"/>
+            <a:off x="2333386" y="2388257"/>
             <a:ext cx="7841567" cy="1551269"/>
           </a:xfrm>
           <a:prstGeom prst="rect">
@@ -7495,7 +7446,7 @@
         </p:blipFill>
         <p:spPr>
           <a:xfrm>
-            <a:off x="2368277" y="2443375"/>
+            <a:off x="2428098" y="4014010"/>
             <a:ext cx="7933408" cy="1318986"/>
           </a:xfrm>
           <a:prstGeom prst="rect">
@@ -8203,6 +8154,231 @@
           <a:p>
             <a:pPr algn="ctr"/>
             <a:endParaRPr lang="en-US"/>
+          </a:p>
+        </p:txBody>
+      </p:sp>
+      <p:sp>
+        <p:nvSpPr>
+          <p:cNvPr id="3" name="Rectangle 2">
+            <a:extLst>
+              <a:ext uri="{FF2B5EF4-FFF2-40B4-BE49-F238E27FC236}">
+                <a16:creationId xmlns:a16="http://schemas.microsoft.com/office/drawing/2014/main" id="{872B063C-5013-4FEB-4338-CE16DCA04FFD}"/>
+              </a:ext>
+            </a:extLst>
+          </p:cNvPr>
+          <p:cNvSpPr>
+            <a:spLocks noChangeArrowheads="1"/>
+          </p:cNvSpPr>
+          <p:nvPr/>
+        </p:nvSpPr>
+        <p:spPr bwMode="auto">
+          <a:xfrm>
+            <a:off x="3257400" y="5974522"/>
+            <a:ext cx="5672601" cy="430887"/>
+          </a:xfrm>
+          <a:prstGeom prst="rect">
+            <a:avLst/>
+          </a:prstGeom>
+          <a:noFill/>
+          <a:ln>
+            <a:noFill/>
+          </a:ln>
+          <a:effectLst/>
+          <a:extLst>
+            <a:ext uri="{909E8E84-426E-40DD-AFC4-6F175D3DCCD1}">
+              <a14:hiddenFill xmlns:a14="http://schemas.microsoft.com/office/drawing/2010/main">
+                <a:solidFill>
+                  <a:schemeClr val="accent1"/>
+                </a:solidFill>
+              </a14:hiddenFill>
+            </a:ext>
+            <a:ext uri="{91240B29-F687-4F45-9708-019B960494DF}">
+              <a14:hiddenLine xmlns:a14="http://schemas.microsoft.com/office/drawing/2010/main" w="9525">
+                <a:solidFill>
+                  <a:schemeClr val="tx1"/>
+                </a:solidFill>
+                <a:miter lim="800000"/>
+                <a:headEnd/>
+                <a:tailEnd/>
+              </a14:hiddenLine>
+            </a:ext>
+            <a:ext uri="{AF507438-7753-43E0-B8FC-AC1667EBCBE1}">
+              <a14:hiddenEffects xmlns:a14="http://schemas.microsoft.com/office/drawing/2010/main">
+                <a:effectLst>
+                  <a:outerShdw dist="35921" dir="2700000" algn="ctr" rotWithShape="0">
+                    <a:schemeClr val="bg2"/>
+                  </a:outerShdw>
+                </a:effectLst>
+              </a14:hiddenEffects>
+            </a:ext>
+          </a:extLst>
+        </p:spPr>
+        <p:txBody>
+          <a:bodyPr vert="horz" wrap="square" lIns="0" tIns="0" rIns="0" bIns="0" numCol="1" anchor="ctr" anchorCtr="0" compatLnSpc="1">
+            <a:prstTxWarp prst="textNoShape">
+              <a:avLst/>
+            </a:prstTxWarp>
+            <a:spAutoFit/>
+          </a:bodyPr>
+          <a:lstStyle>
+            <a:lvl1pPr eaLnBrk="0" fontAlgn="base" hangingPunct="0">
+              <a:spcBef>
+                <a:spcPct val="30000"/>
+              </a:spcBef>
+              <a:spcAft>
+                <a:spcPct val="0"/>
+              </a:spcAft>
+              <a:defRPr sz="1200">
+                <a:solidFill>
+                  <a:schemeClr val="tx1"/>
+                </a:solidFill>
+                <a:latin typeface="Arial" panose="020B0604020202020204" pitchFamily="34" charset="0"/>
+              </a:defRPr>
+            </a:lvl1pPr>
+            <a:lvl2pPr eaLnBrk="0" fontAlgn="base" hangingPunct="0">
+              <a:spcBef>
+                <a:spcPct val="30000"/>
+              </a:spcBef>
+              <a:spcAft>
+                <a:spcPct val="0"/>
+              </a:spcAft>
+              <a:defRPr sz="1200">
+                <a:solidFill>
+                  <a:schemeClr val="tx1"/>
+                </a:solidFill>
+                <a:latin typeface="Arial" panose="020B0604020202020204" pitchFamily="34" charset="0"/>
+              </a:defRPr>
+            </a:lvl2pPr>
+            <a:lvl3pPr eaLnBrk="0" fontAlgn="base" hangingPunct="0">
+              <a:spcBef>
+                <a:spcPct val="30000"/>
+              </a:spcBef>
+              <a:spcAft>
+                <a:spcPct val="0"/>
+              </a:spcAft>
+              <a:defRPr sz="1200">
+                <a:solidFill>
+                  <a:schemeClr val="tx1"/>
+                </a:solidFill>
+                <a:latin typeface="Arial" panose="020B0604020202020204" pitchFamily="34" charset="0"/>
+              </a:defRPr>
+            </a:lvl3pPr>
+            <a:lvl4pPr eaLnBrk="0" fontAlgn="base" hangingPunct="0">
+              <a:spcBef>
+                <a:spcPct val="30000"/>
+              </a:spcBef>
+              <a:spcAft>
+                <a:spcPct val="0"/>
+              </a:spcAft>
+              <a:defRPr sz="1200">
+                <a:solidFill>
+                  <a:schemeClr val="tx1"/>
+                </a:solidFill>
+                <a:latin typeface="Arial" panose="020B0604020202020204" pitchFamily="34" charset="0"/>
+              </a:defRPr>
+            </a:lvl4pPr>
+            <a:lvl5pPr eaLnBrk="0" fontAlgn="base" hangingPunct="0">
+              <a:spcBef>
+                <a:spcPct val="30000"/>
+              </a:spcBef>
+              <a:spcAft>
+                <a:spcPct val="0"/>
+              </a:spcAft>
+              <a:defRPr sz="1200">
+                <a:solidFill>
+                  <a:schemeClr val="tx1"/>
+                </a:solidFill>
+                <a:latin typeface="Arial" panose="020B0604020202020204" pitchFamily="34" charset="0"/>
+              </a:defRPr>
+            </a:lvl5pPr>
+            <a:lvl6pPr eaLnBrk="0" fontAlgn="base" hangingPunct="0">
+              <a:spcBef>
+                <a:spcPct val="30000"/>
+              </a:spcBef>
+              <a:spcAft>
+                <a:spcPct val="0"/>
+              </a:spcAft>
+              <a:defRPr sz="1200">
+                <a:solidFill>
+                  <a:schemeClr val="tx1"/>
+                </a:solidFill>
+                <a:latin typeface="Arial" panose="020B0604020202020204" pitchFamily="34" charset="0"/>
+              </a:defRPr>
+            </a:lvl6pPr>
+            <a:lvl7pPr eaLnBrk="0" fontAlgn="base" hangingPunct="0">
+              <a:spcBef>
+                <a:spcPct val="30000"/>
+              </a:spcBef>
+              <a:spcAft>
+                <a:spcPct val="0"/>
+              </a:spcAft>
+              <a:defRPr sz="1200">
+                <a:solidFill>
+                  <a:schemeClr val="tx1"/>
+                </a:solidFill>
+                <a:latin typeface="Arial" panose="020B0604020202020204" pitchFamily="34" charset="0"/>
+              </a:defRPr>
+            </a:lvl7pPr>
+            <a:lvl8pPr eaLnBrk="0" fontAlgn="base" hangingPunct="0">
+              <a:spcBef>
+                <a:spcPct val="30000"/>
+              </a:spcBef>
+              <a:spcAft>
+                <a:spcPct val="0"/>
+              </a:spcAft>
+              <a:defRPr sz="1200">
+                <a:solidFill>
+                  <a:schemeClr val="tx1"/>
+                </a:solidFill>
+                <a:latin typeface="Arial" panose="020B0604020202020204" pitchFamily="34" charset="0"/>
+              </a:defRPr>
+            </a:lvl8pPr>
+            <a:lvl9pPr eaLnBrk="0" fontAlgn="base" hangingPunct="0">
+              <a:spcBef>
+                <a:spcPct val="30000"/>
+              </a:spcBef>
+              <a:spcAft>
+                <a:spcPct val="0"/>
+              </a:spcAft>
+              <a:defRPr sz="1200">
+                <a:solidFill>
+                  <a:schemeClr val="tx1"/>
+                </a:solidFill>
+                <a:latin typeface="Arial" panose="020B0604020202020204" pitchFamily="34" charset="0"/>
+              </a:defRPr>
+            </a:lvl9pPr>
+          </a:lstStyle>
+          <a:p>
+            <a:r>
+              <a:rPr lang="es-GT" altLang="es-GT" sz="2800" b="1" i="1" dirty="0" err="1">
+                <a:latin typeface="Consolas" panose="020B0609020204030204" pitchFamily="49" charset="0"/>
+              </a:rPr>
+              <a:t>pip</a:t>
+            </a:r>
+            <a:r>
+              <a:rPr lang="es-GT" altLang="es-GT" sz="1600" b="1" i="1" dirty="0">
+                <a:latin typeface="Consolas" panose="020B0609020204030204" pitchFamily="49" charset="0"/>
+              </a:rPr>
+              <a:t> </a:t>
+            </a:r>
+            <a:r>
+              <a:rPr lang="es-GT" altLang="es-GT" sz="2800" b="1" i="1" dirty="0" err="1">
+                <a:latin typeface="Consolas" panose="020B0609020204030204" pitchFamily="49" charset="0"/>
+              </a:rPr>
+              <a:t>install</a:t>
+            </a:r>
+            <a:r>
+              <a:rPr lang="es-GT" altLang="es-GT" sz="1600" b="1" i="1" dirty="0">
+                <a:latin typeface="Consolas" panose="020B0609020204030204" pitchFamily="49" charset="0"/>
+              </a:rPr>
+              <a:t> </a:t>
+            </a:r>
+            <a:r>
+              <a:rPr lang="es-GT" altLang="es-GT" sz="2800" b="1" i="1" dirty="0">
+                <a:latin typeface="Consolas" panose="020B0609020204030204" pitchFamily="49" charset="0"/>
+              </a:rPr>
+              <a:t>pyqt5</a:t>
+            </a:r>
           </a:p>
         </p:txBody>
       </p:sp>
